--- a/Masterarbeit/bildsrc/cube.pptx
+++ b/Masterarbeit/bildsrc/cube.pptx
@@ -5,10 +5,11 @@
     <p:sldMasterId id="2147483648" r:id="rId1"/>
   </p:sldMasterIdLst>
   <p:notesMasterIdLst>
-    <p:notesMasterId r:id="rId3"/>
+    <p:notesMasterId r:id="rId4"/>
   </p:notesMasterIdLst>
   <p:sldIdLst>
     <p:sldId id="262" r:id="rId2"/>
+    <p:sldId id="263" r:id="rId3"/>
   </p:sldIdLst>
   <p:sldSz cx="9144000" cy="6858000" type="screen4x3"/>
   <p:notesSz cx="6858000" cy="9144000"/>
@@ -193,7 +194,7 @@
             <a:fld id="{A5FAF4D1-7A20-49B4-A80A-CFC1E35877B4}" type="datetimeFigureOut">
               <a:rPr lang="en-US" smtClean="0"/>
               <a:pPr/>
-              <a:t>8/4/2015</a:t>
+              <a:t>8/31/2015</a:t>
             </a:fld>
             <a:endParaRPr lang="en-US"/>
           </a:p>
@@ -362,7 +363,7 @@
     </p:spTree>
     <p:extLst>
       <p:ext uri="{BB962C8B-B14F-4D97-AF65-F5344CB8AC3E}">
-        <p14:creationId xmlns="" xmlns:p14="http://schemas.microsoft.com/office/powerpoint/2010/main" val="3165311451"/>
+        <p14:creationId xmlns:p14="http://schemas.microsoft.com/office/powerpoint/2010/main" xmlns="" val="3165311451"/>
       </p:ext>
     </p:extLst>
   </p:cSld>
@@ -544,6 +545,88 @@
 </p:notes>
 </file>
 
+<file path=ppt/notesSlides/notesSlide2.xml><?xml version="1.0" encoding="utf-8"?>
+<p:notes xmlns:a="http://schemas.openxmlformats.org/drawingml/2006/main" xmlns:r="http://schemas.openxmlformats.org/officeDocument/2006/relationships" xmlns:p="http://schemas.openxmlformats.org/presentationml/2006/main">
+  <p:cSld>
+    <p:spTree>
+      <p:nvGrpSpPr>
+        <p:cNvPr id="1" name=""/>
+        <p:cNvGrpSpPr/>
+        <p:nvPr/>
+      </p:nvGrpSpPr>
+      <p:grpSpPr>
+        <a:xfrm>
+          <a:off x="0" y="0"/>
+          <a:ext cx="0" cy="0"/>
+          <a:chOff x="0" y="0"/>
+          <a:chExt cx="0" cy="0"/>
+        </a:xfrm>
+      </p:grpSpPr>
+      <p:sp>
+        <p:nvSpPr>
+          <p:cNvPr id="2" name="Folienbildplatzhalter 1"/>
+          <p:cNvSpPr>
+            <a:spLocks noGrp="1" noRot="1" noChangeAspect="1"/>
+          </p:cNvSpPr>
+          <p:nvPr>
+            <p:ph type="sldImg"/>
+          </p:nvPr>
+        </p:nvSpPr>
+        <p:spPr/>
+      </p:sp>
+      <p:sp>
+        <p:nvSpPr>
+          <p:cNvPr id="3" name="Notizenplatzhalter 2"/>
+          <p:cNvSpPr>
+            <a:spLocks noGrp="1"/>
+          </p:cNvSpPr>
+          <p:nvPr>
+            <p:ph type="body" idx="1"/>
+          </p:nvPr>
+        </p:nvSpPr>
+        <p:spPr/>
+        <p:txBody>
+          <a:bodyPr>
+            <a:normAutofit/>
+          </a:bodyPr>
+          <a:lstStyle/>
+          <a:p>
+            <a:endParaRPr lang="de-DE" dirty="0"/>
+          </a:p>
+        </p:txBody>
+      </p:sp>
+      <p:sp>
+        <p:nvSpPr>
+          <p:cNvPr id="4" name="Foliennummernplatzhalter 3"/>
+          <p:cNvSpPr>
+            <a:spLocks noGrp="1"/>
+          </p:cNvSpPr>
+          <p:nvPr>
+            <p:ph type="sldNum" sz="quarter" idx="10"/>
+          </p:nvPr>
+        </p:nvSpPr>
+        <p:spPr/>
+        <p:txBody>
+          <a:bodyPr/>
+          <a:lstStyle/>
+          <a:p>
+            <a:fld id="{29F3CE41-B5E9-4A5B-93EE-7AB753F0D39F}" type="slidenum">
+              <a:rPr lang="en-US" smtClean="0"/>
+              <a:pPr/>
+              <a:t>2</a:t>
+            </a:fld>
+            <a:endParaRPr lang="en-US"/>
+          </a:p>
+        </p:txBody>
+      </p:sp>
+    </p:spTree>
+  </p:cSld>
+  <p:clrMapOvr>
+    <a:masterClrMapping/>
+  </p:clrMapOvr>
+</p:notes>
+</file>
+
 <file path=ppt/slideLayouts/slideLayout1.xml><?xml version="1.0" encoding="utf-8"?>
 <p:sldLayout xmlns:a="http://schemas.openxmlformats.org/drawingml/2006/main" xmlns:r="http://schemas.openxmlformats.org/officeDocument/2006/relationships" xmlns:p="http://schemas.openxmlformats.org/presentationml/2006/main" showMasterSp="0" type="title" preserve="1">
   <p:cSld name="Title Slide">
@@ -726,7 +809,7 @@
             <a:fld id="{4A5D4950-75BC-4235-B15D-30B354FDB16F}" type="datetimeFigureOut">
               <a:rPr lang="en-US" smtClean="0"/>
               <a:pPr/>
-              <a:t>8/4/2015</a:t>
+              <a:t>8/31/2015</a:t>
             </a:fld>
             <a:endParaRPr lang="en-US"/>
           </a:p>
@@ -778,7 +861,7 @@
     </p:spTree>
     <p:extLst>
       <p:ext uri="{BB962C8B-B14F-4D97-AF65-F5344CB8AC3E}">
-        <p14:creationId xmlns="" xmlns:p14="http://schemas.microsoft.com/office/powerpoint/2010/main" val="1479490388"/>
+        <p14:creationId xmlns:p14="http://schemas.microsoft.com/office/powerpoint/2010/main" xmlns="" val="1479490388"/>
       </p:ext>
     </p:extLst>
   </p:cSld>
@@ -898,7 +981,7 @@
             <a:fld id="{4A5D4950-75BC-4235-B15D-30B354FDB16F}" type="datetimeFigureOut">
               <a:rPr lang="en-US" smtClean="0"/>
               <a:pPr/>
-              <a:t>8/4/2015</a:t>
+              <a:t>8/31/2015</a:t>
             </a:fld>
             <a:endParaRPr lang="en-US"/>
           </a:p>
@@ -950,7 +1033,7 @@
     </p:spTree>
     <p:extLst>
       <p:ext uri="{BB962C8B-B14F-4D97-AF65-F5344CB8AC3E}">
-        <p14:creationId xmlns="" xmlns:p14="http://schemas.microsoft.com/office/powerpoint/2010/main" val="1148850289"/>
+        <p14:creationId xmlns:p14="http://schemas.microsoft.com/office/powerpoint/2010/main" xmlns="" val="1148850289"/>
       </p:ext>
     </p:extLst>
   </p:cSld>
@@ -1080,7 +1163,7 @@
             <a:fld id="{4A5D4950-75BC-4235-B15D-30B354FDB16F}" type="datetimeFigureOut">
               <a:rPr lang="en-US" smtClean="0"/>
               <a:pPr/>
-              <a:t>8/4/2015</a:t>
+              <a:t>8/31/2015</a:t>
             </a:fld>
             <a:endParaRPr lang="en-US"/>
           </a:p>
@@ -1132,7 +1215,7 @@
     </p:spTree>
     <p:extLst>
       <p:ext uri="{BB962C8B-B14F-4D97-AF65-F5344CB8AC3E}">
-        <p14:creationId xmlns="" xmlns:p14="http://schemas.microsoft.com/office/powerpoint/2010/main" val="3310924914"/>
+        <p14:creationId xmlns:p14="http://schemas.microsoft.com/office/powerpoint/2010/main" xmlns="" val="3310924914"/>
       </p:ext>
     </p:extLst>
   </p:cSld>
@@ -1252,7 +1335,7 @@
             <a:fld id="{4A5D4950-75BC-4235-B15D-30B354FDB16F}" type="datetimeFigureOut">
               <a:rPr lang="en-US" smtClean="0"/>
               <a:pPr/>
-              <a:t>8/4/2015</a:t>
+              <a:t>8/31/2015</a:t>
             </a:fld>
             <a:endParaRPr lang="en-US"/>
           </a:p>
@@ -1304,7 +1387,7 @@
     </p:spTree>
     <p:extLst>
       <p:ext uri="{BB962C8B-B14F-4D97-AF65-F5344CB8AC3E}">
-        <p14:creationId xmlns="" xmlns:p14="http://schemas.microsoft.com/office/powerpoint/2010/main" val="2583580865"/>
+        <p14:creationId xmlns:p14="http://schemas.microsoft.com/office/powerpoint/2010/main" xmlns="" val="2583580865"/>
       </p:ext>
     </p:extLst>
   </p:cSld>
@@ -1500,7 +1583,7 @@
             <a:fld id="{4A5D4950-75BC-4235-B15D-30B354FDB16F}" type="datetimeFigureOut">
               <a:rPr lang="en-US" smtClean="0"/>
               <a:pPr/>
-              <a:t>8/4/2015</a:t>
+              <a:t>8/31/2015</a:t>
             </a:fld>
             <a:endParaRPr lang="en-US"/>
           </a:p>
@@ -1552,7 +1635,7 @@
     </p:spTree>
     <p:extLst>
       <p:ext uri="{BB962C8B-B14F-4D97-AF65-F5344CB8AC3E}">
-        <p14:creationId xmlns="" xmlns:p14="http://schemas.microsoft.com/office/powerpoint/2010/main" val="114155164"/>
+        <p14:creationId xmlns:p14="http://schemas.microsoft.com/office/powerpoint/2010/main" xmlns="" val="114155164"/>
       </p:ext>
     </p:extLst>
   </p:cSld>
@@ -1790,7 +1873,7 @@
             <a:fld id="{4A5D4950-75BC-4235-B15D-30B354FDB16F}" type="datetimeFigureOut">
               <a:rPr lang="en-US" smtClean="0"/>
               <a:pPr/>
-              <a:t>8/4/2015</a:t>
+              <a:t>8/31/2015</a:t>
             </a:fld>
             <a:endParaRPr lang="en-US"/>
           </a:p>
@@ -1842,7 +1925,7 @@
     </p:spTree>
     <p:extLst>
       <p:ext uri="{BB962C8B-B14F-4D97-AF65-F5344CB8AC3E}">
-        <p14:creationId xmlns="" xmlns:p14="http://schemas.microsoft.com/office/powerpoint/2010/main" val="139168030"/>
+        <p14:creationId xmlns:p14="http://schemas.microsoft.com/office/powerpoint/2010/main" xmlns="" val="139168030"/>
       </p:ext>
     </p:extLst>
   </p:cSld>
@@ -2214,7 +2297,7 @@
             <a:fld id="{4A5D4950-75BC-4235-B15D-30B354FDB16F}" type="datetimeFigureOut">
               <a:rPr lang="en-US" smtClean="0"/>
               <a:pPr/>
-              <a:t>8/4/2015</a:t>
+              <a:t>8/31/2015</a:t>
             </a:fld>
             <a:endParaRPr lang="en-US"/>
           </a:p>
@@ -2266,7 +2349,7 @@
     </p:spTree>
     <p:extLst>
       <p:ext uri="{BB962C8B-B14F-4D97-AF65-F5344CB8AC3E}">
-        <p14:creationId xmlns="" xmlns:p14="http://schemas.microsoft.com/office/powerpoint/2010/main" val="1453713363"/>
+        <p14:creationId xmlns:p14="http://schemas.microsoft.com/office/powerpoint/2010/main" xmlns="" val="1453713363"/>
       </p:ext>
     </p:extLst>
   </p:cSld>
@@ -2430,7 +2513,7 @@
             <a:fld id="{4A5D4950-75BC-4235-B15D-30B354FDB16F}" type="datetimeFigureOut">
               <a:rPr lang="en-US" smtClean="0"/>
               <a:pPr/>
-              <a:t>8/4/2015</a:t>
+              <a:t>8/31/2015</a:t>
             </a:fld>
             <a:endParaRPr lang="en-US"/>
           </a:p>
@@ -2482,7 +2565,7 @@
     </p:spTree>
     <p:extLst>
       <p:ext uri="{BB962C8B-B14F-4D97-AF65-F5344CB8AC3E}">
-        <p14:creationId xmlns="" xmlns:p14="http://schemas.microsoft.com/office/powerpoint/2010/main" val="3508351325"/>
+        <p14:creationId xmlns:p14="http://schemas.microsoft.com/office/powerpoint/2010/main" xmlns="" val="3508351325"/>
       </p:ext>
     </p:extLst>
   </p:cSld>
@@ -2527,7 +2610,7 @@
             <a:fld id="{4A5D4950-75BC-4235-B15D-30B354FDB16F}" type="datetimeFigureOut">
               <a:rPr lang="en-US" smtClean="0"/>
               <a:pPr/>
-              <a:t>8/4/2015</a:t>
+              <a:t>8/31/2015</a:t>
             </a:fld>
             <a:endParaRPr lang="en-US"/>
           </a:p>
@@ -2579,7 +2662,7 @@
     </p:spTree>
     <p:extLst>
       <p:ext uri="{BB962C8B-B14F-4D97-AF65-F5344CB8AC3E}">
-        <p14:creationId xmlns="" xmlns:p14="http://schemas.microsoft.com/office/powerpoint/2010/main" val="3343237702"/>
+        <p14:creationId xmlns:p14="http://schemas.microsoft.com/office/powerpoint/2010/main" xmlns="" val="3343237702"/>
       </p:ext>
     </p:extLst>
   </p:cSld>
@@ -2806,7 +2889,7 @@
             <a:fld id="{4A5D4950-75BC-4235-B15D-30B354FDB16F}" type="datetimeFigureOut">
               <a:rPr lang="en-US" smtClean="0"/>
               <a:pPr/>
-              <a:t>8/4/2015</a:t>
+              <a:t>8/31/2015</a:t>
             </a:fld>
             <a:endParaRPr lang="en-US"/>
           </a:p>
@@ -2858,7 +2941,7 @@
     </p:spTree>
     <p:extLst>
       <p:ext uri="{BB962C8B-B14F-4D97-AF65-F5344CB8AC3E}">
-        <p14:creationId xmlns="" xmlns:p14="http://schemas.microsoft.com/office/powerpoint/2010/main" val="1335007913"/>
+        <p14:creationId xmlns:p14="http://schemas.microsoft.com/office/powerpoint/2010/main" xmlns="" val="1335007913"/>
       </p:ext>
     </p:extLst>
   </p:cSld>
@@ -3061,7 +3144,7 @@
             <a:fld id="{4A5D4950-75BC-4235-B15D-30B354FDB16F}" type="datetimeFigureOut">
               <a:rPr lang="en-US" smtClean="0"/>
               <a:pPr/>
-              <a:t>8/4/2015</a:t>
+              <a:t>8/31/2015</a:t>
             </a:fld>
             <a:endParaRPr lang="en-US"/>
           </a:p>
@@ -3113,7 +3196,7 @@
     </p:spTree>
     <p:extLst>
       <p:ext uri="{BB962C8B-B14F-4D97-AF65-F5344CB8AC3E}">
-        <p14:creationId xmlns="" xmlns:p14="http://schemas.microsoft.com/office/powerpoint/2010/main" val="235595326"/>
+        <p14:creationId xmlns:p14="http://schemas.microsoft.com/office/powerpoint/2010/main" xmlns="" val="235595326"/>
       </p:ext>
     </p:extLst>
   </p:cSld>
@@ -3276,7 +3359,7 @@
             <a:fld id="{4A5D4950-75BC-4235-B15D-30B354FDB16F}" type="datetimeFigureOut">
               <a:rPr lang="en-US" smtClean="0"/>
               <a:pPr/>
-              <a:t>8/4/2015</a:t>
+              <a:t>8/31/2015</a:t>
             </a:fld>
             <a:endParaRPr lang="en-US"/>
           </a:p>
@@ -3364,7 +3447,7 @@
     </p:spTree>
     <p:extLst>
       <p:ext uri="{BB962C8B-B14F-4D97-AF65-F5344CB8AC3E}">
-        <p14:creationId xmlns="" xmlns:p14="http://schemas.microsoft.com/office/powerpoint/2010/main" val="3532898569"/>
+        <p14:creationId xmlns:p14="http://schemas.microsoft.com/office/powerpoint/2010/main" xmlns="" val="3532898569"/>
       </p:ext>
     </p:extLst>
   </p:cSld>
@@ -4026,6 +4109,613 @@
           </a:prstGeom>
           <a:solidFill>
             <a:schemeClr val="bg1"/>
+          </a:solidFill>
+          <a:ln w="0">
+            <a:solidFill>
+              <a:schemeClr val="tx1"/>
+            </a:solidFill>
+          </a:ln>
+          <a:effectLst>
+            <a:outerShdw blurRad="40005" dist="20320" dir="5400000" algn="ctr" rotWithShape="0">
+              <a:srgbClr val="000000">
+                <a:alpha val="38000"/>
+              </a:srgbClr>
+            </a:outerShdw>
+          </a:effectLst>
+        </p:spPr>
+        <p:style>
+          <a:lnRef idx="2">
+            <a:schemeClr val="accent1">
+              <a:shade val="50000"/>
+            </a:schemeClr>
+          </a:lnRef>
+          <a:fillRef idx="1">
+            <a:schemeClr val="accent1"/>
+          </a:fillRef>
+          <a:effectRef idx="0">
+            <a:schemeClr val="accent1"/>
+          </a:effectRef>
+          <a:fontRef idx="minor">
+            <a:schemeClr val="lt1"/>
+          </a:fontRef>
+        </p:style>
+        <p:txBody>
+          <a:bodyPr rtlCol="0" anchor="ctr"/>
+          <a:lstStyle/>
+          <a:p>
+            <a:pPr algn="ctr"/>
+            <a:endParaRPr lang="de-DE"/>
+          </a:p>
+        </p:txBody>
+      </p:sp>
+      <p:sp>
+        <p:nvSpPr>
+          <p:cNvPr id="45" name="Würfel 44"/>
+          <p:cNvSpPr/>
+          <p:nvPr/>
+        </p:nvSpPr>
+        <p:spPr>
+          <a:xfrm>
+            <a:off x="3705218" y="2143116"/>
+            <a:ext cx="2214578" cy="1357322"/>
+          </a:xfrm>
+          <a:prstGeom prst="cube">
+            <a:avLst/>
+          </a:prstGeom>
+          <a:solidFill>
+            <a:schemeClr val="bg1"/>
+          </a:solidFill>
+          <a:ln w="0">
+            <a:solidFill>
+              <a:schemeClr val="tx1"/>
+            </a:solidFill>
+          </a:ln>
+          <a:effectLst>
+            <a:outerShdw blurRad="40005" dist="20320" dir="5400000" algn="ctr" rotWithShape="0">
+              <a:srgbClr val="000000">
+                <a:alpha val="38000"/>
+              </a:srgbClr>
+            </a:outerShdw>
+          </a:effectLst>
+        </p:spPr>
+        <p:style>
+          <a:lnRef idx="2">
+            <a:schemeClr val="accent1">
+              <a:shade val="50000"/>
+            </a:schemeClr>
+          </a:lnRef>
+          <a:fillRef idx="1">
+            <a:schemeClr val="accent1"/>
+          </a:fillRef>
+          <a:effectRef idx="0">
+            <a:schemeClr val="accent1"/>
+          </a:effectRef>
+          <a:fontRef idx="minor">
+            <a:schemeClr val="lt1"/>
+          </a:fontRef>
+        </p:style>
+        <p:txBody>
+          <a:bodyPr rtlCol="0" anchor="ctr"/>
+          <a:lstStyle/>
+          <a:p>
+            <a:pPr algn="ctr"/>
+            <a:endParaRPr lang="de-DE"/>
+          </a:p>
+        </p:txBody>
+      </p:sp>
+      <p:sp>
+        <p:nvSpPr>
+          <p:cNvPr id="49" name="Würfel 48"/>
+          <p:cNvSpPr/>
+          <p:nvPr/>
+        </p:nvSpPr>
+        <p:spPr>
+          <a:xfrm>
+            <a:off x="5581643" y="3162298"/>
+            <a:ext cx="2214578" cy="1357322"/>
+          </a:xfrm>
+          <a:prstGeom prst="cube">
+            <a:avLst/>
+          </a:prstGeom>
+          <a:solidFill>
+            <a:schemeClr val="bg1"/>
+          </a:solidFill>
+          <a:ln w="0">
+            <a:solidFill>
+              <a:schemeClr val="tx1"/>
+            </a:solidFill>
+          </a:ln>
+          <a:effectLst>
+            <a:outerShdw blurRad="40005" dist="20320" dir="5400000" algn="ctr" rotWithShape="0">
+              <a:srgbClr val="000000">
+                <a:alpha val="38000"/>
+              </a:srgbClr>
+            </a:outerShdw>
+          </a:effectLst>
+        </p:spPr>
+        <p:style>
+          <a:lnRef idx="2">
+            <a:schemeClr val="accent1">
+              <a:shade val="50000"/>
+            </a:schemeClr>
+          </a:lnRef>
+          <a:fillRef idx="1">
+            <a:schemeClr val="accent1"/>
+          </a:fillRef>
+          <a:effectRef idx="0">
+            <a:schemeClr val="accent1"/>
+          </a:effectRef>
+          <a:fontRef idx="minor">
+            <a:schemeClr val="lt1"/>
+          </a:fontRef>
+        </p:style>
+        <p:txBody>
+          <a:bodyPr rtlCol="0" anchor="ctr"/>
+          <a:lstStyle/>
+          <a:p>
+            <a:pPr algn="ctr"/>
+            <a:endParaRPr lang="de-DE"/>
+          </a:p>
+        </p:txBody>
+      </p:sp>
+      <p:sp>
+        <p:nvSpPr>
+          <p:cNvPr id="53" name="Würfel 52"/>
+          <p:cNvSpPr/>
+          <p:nvPr/>
+        </p:nvSpPr>
+        <p:spPr>
+          <a:xfrm>
+            <a:off x="5581643" y="2143116"/>
+            <a:ext cx="2214578" cy="1357322"/>
+          </a:xfrm>
+          <a:prstGeom prst="cube">
+            <a:avLst/>
+          </a:prstGeom>
+          <a:solidFill>
+            <a:schemeClr val="bg1"/>
+          </a:solidFill>
+          <a:ln w="0">
+            <a:solidFill>
+              <a:schemeClr val="tx1"/>
+            </a:solidFill>
+          </a:ln>
+          <a:effectLst>
+            <a:outerShdw blurRad="40005" dist="20320" dir="5400000" algn="ctr" rotWithShape="0">
+              <a:srgbClr val="000000">
+                <a:alpha val="38000"/>
+              </a:srgbClr>
+            </a:outerShdw>
+          </a:effectLst>
+        </p:spPr>
+        <p:style>
+          <a:lnRef idx="2">
+            <a:schemeClr val="accent1">
+              <a:shade val="50000"/>
+            </a:schemeClr>
+          </a:lnRef>
+          <a:fillRef idx="1">
+            <a:schemeClr val="accent1"/>
+          </a:fillRef>
+          <a:effectRef idx="0">
+            <a:schemeClr val="accent1"/>
+          </a:effectRef>
+          <a:fontRef idx="minor">
+            <a:schemeClr val="lt1"/>
+          </a:fontRef>
+        </p:style>
+        <p:txBody>
+          <a:bodyPr rtlCol="0" anchor="ctr"/>
+          <a:lstStyle/>
+          <a:p>
+            <a:pPr algn="ctr"/>
+            <a:endParaRPr lang="de-DE"/>
+          </a:p>
+        </p:txBody>
+      </p:sp>
+    </p:spTree>
+  </p:cSld>
+  <p:clrMapOvr>
+    <a:masterClrMapping/>
+  </p:clrMapOvr>
+</p:sld>
+</file>
+
+<file path=ppt/slides/slide2.xml><?xml version="1.0" encoding="utf-8"?>
+<p:sld xmlns:a="http://schemas.openxmlformats.org/drawingml/2006/main" xmlns:r="http://schemas.openxmlformats.org/officeDocument/2006/relationships" xmlns:p="http://schemas.openxmlformats.org/presentationml/2006/main">
+  <p:cSld>
+    <p:spTree>
+      <p:nvGrpSpPr>
+        <p:cNvPr id="1" name=""/>
+        <p:cNvGrpSpPr/>
+        <p:nvPr/>
+      </p:nvGrpSpPr>
+      <p:grpSpPr>
+        <a:xfrm>
+          <a:off x="0" y="0"/>
+          <a:ext cx="0" cy="0"/>
+          <a:chOff x="0" y="0"/>
+          <a:chExt cx="0" cy="0"/>
+        </a:xfrm>
+      </p:grpSpPr>
+      <p:sp>
+        <p:nvSpPr>
+          <p:cNvPr id="40" name="Textfeld 39"/>
+          <p:cNvSpPr txBox="1"/>
+          <p:nvPr/>
+        </p:nvSpPr>
+        <p:spPr>
+          <a:xfrm>
+            <a:off x="2500298" y="2143116"/>
+            <a:ext cx="1214446" cy="369332"/>
+          </a:xfrm>
+          <a:prstGeom prst="rect">
+            <a:avLst/>
+          </a:prstGeom>
+          <a:noFill/>
+        </p:spPr>
+        <p:txBody>
+          <a:bodyPr wrap="square" rtlCol="0">
+            <a:spAutoFit/>
+          </a:bodyPr>
+          <a:lstStyle/>
+          <a:p>
+            <a:r>
+              <a:rPr lang="de-DE" dirty="0" err="1" smtClean="0"/>
+              <a:t>Systm</a:t>
+            </a:r>
+            <a:endParaRPr lang="de-DE" dirty="0"/>
+          </a:p>
+        </p:txBody>
+      </p:sp>
+      <p:sp>
+        <p:nvSpPr>
+          <p:cNvPr id="42" name="Textfeld 41"/>
+          <p:cNvSpPr txBox="1"/>
+          <p:nvPr/>
+        </p:nvSpPr>
+        <p:spPr>
+          <a:xfrm>
+            <a:off x="1285852" y="2714620"/>
+            <a:ext cx="714380" cy="369332"/>
+          </a:xfrm>
+          <a:prstGeom prst="rect">
+            <a:avLst/>
+          </a:prstGeom>
+          <a:noFill/>
+        </p:spPr>
+        <p:txBody>
+          <a:bodyPr wrap="square" rtlCol="0">
+            <a:spAutoFit/>
+          </a:bodyPr>
+          <a:lstStyle/>
+          <a:p>
+            <a:r>
+              <a:rPr lang="de-DE" dirty="0" smtClean="0"/>
+              <a:t>API</a:t>
+            </a:r>
+            <a:endParaRPr lang="de-DE" dirty="0"/>
+          </a:p>
+        </p:txBody>
+      </p:sp>
+      <p:sp>
+        <p:nvSpPr>
+          <p:cNvPr id="43" name="Textfeld 42"/>
+          <p:cNvSpPr txBox="1"/>
+          <p:nvPr/>
+        </p:nvSpPr>
+        <p:spPr>
+          <a:xfrm>
+            <a:off x="1357290" y="3786190"/>
+            <a:ext cx="571504" cy="369332"/>
+          </a:xfrm>
+          <a:prstGeom prst="rect">
+            <a:avLst/>
+          </a:prstGeom>
+          <a:noFill/>
+        </p:spPr>
+        <p:txBody>
+          <a:bodyPr wrap="square" rtlCol="0">
+            <a:spAutoFit/>
+          </a:bodyPr>
+          <a:lstStyle/>
+          <a:p>
+            <a:r>
+              <a:rPr lang="de-DE" dirty="0" smtClean="0"/>
+              <a:t>UI</a:t>
+            </a:r>
+            <a:endParaRPr lang="de-DE" dirty="0"/>
+          </a:p>
+        </p:txBody>
+      </p:sp>
+      <p:sp>
+        <p:nvSpPr>
+          <p:cNvPr id="50" name="Textfeld 49"/>
+          <p:cNvSpPr txBox="1"/>
+          <p:nvPr/>
+        </p:nvSpPr>
+        <p:spPr>
+          <a:xfrm rot="16200000">
+            <a:off x="-391247" y="3177273"/>
+            <a:ext cx="3000396" cy="646330"/>
+          </a:xfrm>
+          <a:prstGeom prst="rect">
+            <a:avLst/>
+          </a:prstGeom>
+          <a:noFill/>
+        </p:spPr>
+        <p:txBody>
+          <a:bodyPr wrap="square" rtlCol="0">
+            <a:spAutoFit/>
+          </a:bodyPr>
+          <a:lstStyle/>
+          <a:p>
+            <a:pPr algn="ctr"/>
+            <a:r>
+              <a:rPr lang="de-DE" dirty="0" smtClean="0"/>
+              <a:t>Schnittstelle zum </a:t>
+            </a:r>
+          </a:p>
+          <a:p>
+            <a:pPr algn="ctr"/>
+            <a:r>
+              <a:rPr lang="de-DE" dirty="0" smtClean="0"/>
+              <a:t>System</a:t>
+            </a:r>
+            <a:endParaRPr lang="de-DE" dirty="0"/>
+          </a:p>
+        </p:txBody>
+      </p:sp>
+      <p:sp>
+        <p:nvSpPr>
+          <p:cNvPr id="51" name="Textfeld 50"/>
+          <p:cNvSpPr txBox="1"/>
+          <p:nvPr/>
+        </p:nvSpPr>
+        <p:spPr>
+          <a:xfrm>
+            <a:off x="4283968" y="4581128"/>
+            <a:ext cx="1285884" cy="369332"/>
+          </a:xfrm>
+          <a:prstGeom prst="rect">
+            <a:avLst/>
+          </a:prstGeom>
+          <a:noFill/>
+        </p:spPr>
+        <p:txBody>
+          <a:bodyPr wrap="square" rtlCol="0">
+            <a:spAutoFit/>
+          </a:bodyPr>
+          <a:lstStyle/>
+          <a:p>
+            <a:r>
+              <a:rPr lang="de-DE" dirty="0" smtClean="0"/>
+              <a:t>R&amp;PB</a:t>
+            </a:r>
+            <a:endParaRPr lang="de-DE" dirty="0"/>
+          </a:p>
+        </p:txBody>
+      </p:sp>
+      <p:sp>
+        <p:nvSpPr>
+          <p:cNvPr id="52" name="Textfeld 51"/>
+          <p:cNvSpPr txBox="1"/>
+          <p:nvPr/>
+        </p:nvSpPr>
+        <p:spPr>
+          <a:xfrm>
+            <a:off x="2277269" y="4543028"/>
+            <a:ext cx="1143008" cy="369332"/>
+          </a:xfrm>
+          <a:prstGeom prst="rect">
+            <a:avLst/>
+          </a:prstGeom>
+          <a:noFill/>
+        </p:spPr>
+        <p:txBody>
+          <a:bodyPr wrap="square" rtlCol="0">
+            <a:spAutoFit/>
+          </a:bodyPr>
+          <a:lstStyle/>
+          <a:p>
+            <a:r>
+              <a:rPr lang="de-DE" dirty="0" smtClean="0"/>
+              <a:t>Manuell</a:t>
+            </a:r>
+            <a:endParaRPr lang="de-DE" dirty="0"/>
+          </a:p>
+        </p:txBody>
+      </p:sp>
+      <p:sp>
+        <p:nvSpPr>
+          <p:cNvPr id="54" name="Textfeld 53"/>
+          <p:cNvSpPr txBox="1"/>
+          <p:nvPr/>
+        </p:nvSpPr>
+        <p:spPr>
+          <a:xfrm>
+            <a:off x="3586118" y="4941168"/>
+            <a:ext cx="2786082" cy="369332"/>
+          </a:xfrm>
+          <a:prstGeom prst="rect">
+            <a:avLst/>
+          </a:prstGeom>
+          <a:noFill/>
+        </p:spPr>
+        <p:txBody>
+          <a:bodyPr wrap="square" rtlCol="0">
+            <a:spAutoFit/>
+          </a:bodyPr>
+          <a:lstStyle/>
+          <a:p>
+            <a:r>
+              <a:rPr lang="de-DE" dirty="0" smtClean="0"/>
+              <a:t>Testcodeerstellung</a:t>
+            </a:r>
+            <a:endParaRPr lang="de-DE" dirty="0"/>
+          </a:p>
+        </p:txBody>
+      </p:sp>
+      <p:sp>
+        <p:nvSpPr>
+          <p:cNvPr id="48" name="Textfeld 47"/>
+          <p:cNvSpPr txBox="1"/>
+          <p:nvPr/>
+        </p:nvSpPr>
+        <p:spPr>
+          <a:xfrm>
+            <a:off x="5921102" y="4581128"/>
+            <a:ext cx="1357892" cy="369332"/>
+          </a:xfrm>
+          <a:prstGeom prst="rect">
+            <a:avLst/>
+          </a:prstGeom>
+          <a:noFill/>
+        </p:spPr>
+        <p:txBody>
+          <a:bodyPr wrap="square" rtlCol="0">
+            <a:spAutoFit/>
+          </a:bodyPr>
+          <a:lstStyle/>
+          <a:p>
+            <a:r>
+              <a:rPr lang="de-DE" dirty="0" smtClean="0"/>
+              <a:t>Automatisch</a:t>
+            </a:r>
+            <a:endParaRPr lang="de-DE" dirty="0"/>
+          </a:p>
+        </p:txBody>
+      </p:sp>
+      <p:sp>
+        <p:nvSpPr>
+          <p:cNvPr id="26" name="Würfel 25"/>
+          <p:cNvSpPr/>
+          <p:nvPr/>
+        </p:nvSpPr>
+        <p:spPr>
+          <a:xfrm>
+            <a:off x="1838306" y="3162298"/>
+            <a:ext cx="2214578" cy="1357322"/>
+          </a:xfrm>
+          <a:prstGeom prst="cube">
+            <a:avLst/>
+          </a:prstGeom>
+          <a:solidFill>
+            <a:schemeClr val="bg1">
+              <a:lumMod val="50000"/>
+            </a:schemeClr>
+          </a:solidFill>
+          <a:ln w="0">
+            <a:solidFill>
+              <a:schemeClr val="tx1"/>
+            </a:solidFill>
+          </a:ln>
+          <a:effectLst>
+            <a:outerShdw blurRad="40005" dist="20320" dir="5400000" algn="ctr" rotWithShape="0">
+              <a:srgbClr val="000000">
+                <a:alpha val="38000"/>
+              </a:srgbClr>
+            </a:outerShdw>
+          </a:effectLst>
+        </p:spPr>
+        <p:style>
+          <a:lnRef idx="2">
+            <a:schemeClr val="accent1">
+              <a:shade val="50000"/>
+            </a:schemeClr>
+          </a:lnRef>
+          <a:fillRef idx="1">
+            <a:schemeClr val="accent1"/>
+          </a:fillRef>
+          <a:effectRef idx="0">
+            <a:schemeClr val="accent1"/>
+          </a:effectRef>
+          <a:fontRef idx="minor">
+            <a:schemeClr val="lt1"/>
+          </a:fontRef>
+        </p:style>
+        <p:txBody>
+          <a:bodyPr rtlCol="0" anchor="ctr"/>
+          <a:lstStyle/>
+          <a:p>
+            <a:pPr algn="ctr"/>
+            <a:endParaRPr lang="de-DE"/>
+          </a:p>
+        </p:txBody>
+      </p:sp>
+      <p:sp>
+        <p:nvSpPr>
+          <p:cNvPr id="25" name="Würfel 24"/>
+          <p:cNvSpPr/>
+          <p:nvPr/>
+        </p:nvSpPr>
+        <p:spPr>
+          <a:xfrm>
+            <a:off x="1835696" y="2143686"/>
+            <a:ext cx="2214578" cy="1357322"/>
+          </a:xfrm>
+          <a:prstGeom prst="cube">
+            <a:avLst/>
+          </a:prstGeom>
+          <a:solidFill>
+            <a:schemeClr val="bg1"/>
+          </a:solidFill>
+          <a:ln w="0">
+            <a:solidFill>
+              <a:schemeClr val="tx1"/>
+            </a:solidFill>
+          </a:ln>
+          <a:effectLst>
+            <a:outerShdw blurRad="40005" dist="20320" dir="5400000" algn="ctr" rotWithShape="0">
+              <a:srgbClr val="000000">
+                <a:alpha val="38000"/>
+              </a:srgbClr>
+            </a:outerShdw>
+          </a:effectLst>
+        </p:spPr>
+        <p:style>
+          <a:lnRef idx="2">
+            <a:schemeClr val="accent1">
+              <a:shade val="50000"/>
+            </a:schemeClr>
+          </a:lnRef>
+          <a:fillRef idx="1">
+            <a:schemeClr val="accent1"/>
+          </a:fillRef>
+          <a:effectRef idx="0">
+            <a:schemeClr val="accent1"/>
+          </a:effectRef>
+          <a:fontRef idx="minor">
+            <a:schemeClr val="lt1"/>
+          </a:fontRef>
+        </p:style>
+        <p:txBody>
+          <a:bodyPr rtlCol="0" anchor="ctr"/>
+          <a:lstStyle/>
+          <a:p>
+            <a:pPr algn="ctr"/>
+            <a:endParaRPr lang="de-DE"/>
+          </a:p>
+        </p:txBody>
+      </p:sp>
+      <p:sp>
+        <p:nvSpPr>
+          <p:cNvPr id="44" name="Würfel 43"/>
+          <p:cNvSpPr/>
+          <p:nvPr/>
+        </p:nvSpPr>
+        <p:spPr>
+          <a:xfrm>
+            <a:off x="3705218" y="3162298"/>
+            <a:ext cx="2214578" cy="1357322"/>
+          </a:xfrm>
+          <a:prstGeom prst="cube">
+            <a:avLst/>
+          </a:prstGeom>
+          <a:solidFill>
+            <a:schemeClr val="bg1">
+              <a:lumMod val="50000"/>
+            </a:schemeClr>
           </a:solidFill>
           <a:ln w="0">
             <a:solidFill>
